--- a/第4章-空间参考与坐标转换/第2节-坐标转换及可视化.pptx
+++ b/第4章-空间参考与坐标转换/第2节-坐标转换及可视化.pptx
@@ -6879,6 +6879,441 @@
     </pc:docChg>
   </pc:docChgLst>
   <pc:docChgLst>
+    <pc:chgData name="Xin Luo" userId="82312ee5779919a4" providerId="LiveId" clId="{98EC8ECB-A80D-1449-ACFE-0D931F29C13A}"/>
+    <pc:docChg chg="undo custSel addSld delSld modSld">
+      <pc:chgData name="Xin Luo" userId="82312ee5779919a4" providerId="LiveId" clId="{98EC8ECB-A80D-1449-ACFE-0D931F29C13A}" dt="2023-02-23T15:47:30.471" v="734" actId="478"/>
+      <pc:docMkLst>
+        <pc:docMk/>
+      </pc:docMkLst>
+      <pc:sldChg chg="modSp mod">
+        <pc:chgData name="Xin Luo" userId="82312ee5779919a4" providerId="LiveId" clId="{98EC8ECB-A80D-1449-ACFE-0D931F29C13A}" dt="2023-02-23T15:07:38.481" v="282" actId="20577"/>
+        <pc:sldMkLst>
+          <pc:docMk/>
+          <pc:sldMk cId="1576120367" sldId="2387"/>
+        </pc:sldMkLst>
+        <pc:spChg chg="mod">
+          <ac:chgData name="Xin Luo" userId="82312ee5779919a4" providerId="LiveId" clId="{98EC8ECB-A80D-1449-ACFE-0D931F29C13A}" dt="2023-02-23T15:07:38.481" v="282" actId="20577"/>
+          <ac:spMkLst>
+            <pc:docMk/>
+            <pc:sldMk cId="1576120367" sldId="2387"/>
+            <ac:spMk id="5" creationId="{494DAA55-5621-28DB-D255-E0EBB6C6477B}"/>
+          </ac:spMkLst>
+        </pc:spChg>
+        <pc:spChg chg="mod">
+          <ac:chgData name="Xin Luo" userId="82312ee5779919a4" providerId="LiveId" clId="{98EC8ECB-A80D-1449-ACFE-0D931F29C13A}" dt="2023-02-23T15:06:04.024" v="241" actId="1076"/>
+          <ac:spMkLst>
+            <pc:docMk/>
+            <pc:sldMk cId="1576120367" sldId="2387"/>
+            <ac:spMk id="6" creationId="{00000000-0000-0000-0000-000000000000}"/>
+          </ac:spMkLst>
+        </pc:spChg>
+        <pc:spChg chg="mod">
+          <ac:chgData name="Xin Luo" userId="82312ee5779919a4" providerId="LiveId" clId="{98EC8ECB-A80D-1449-ACFE-0D931F29C13A}" dt="2023-02-23T15:05:37.607" v="201" actId="403"/>
+          <ac:spMkLst>
+            <pc:docMk/>
+            <pc:sldMk cId="1576120367" sldId="2387"/>
+            <ac:spMk id="12" creationId="{00000000-0000-0000-0000-000000000000}"/>
+          </ac:spMkLst>
+        </pc:spChg>
+        <pc:spChg chg="mod">
+          <ac:chgData name="Xin Luo" userId="82312ee5779919a4" providerId="LiveId" clId="{98EC8ECB-A80D-1449-ACFE-0D931F29C13A}" dt="2023-02-23T15:04:17.856" v="99" actId="20577"/>
+          <ac:spMkLst>
+            <pc:docMk/>
+            <pc:sldMk cId="1576120367" sldId="2387"/>
+            <ac:spMk id="14" creationId="{00000000-0000-0000-0000-000000000000}"/>
+          </ac:spMkLst>
+        </pc:spChg>
+      </pc:sldChg>
+      <pc:sldChg chg="modSp mod">
+        <pc:chgData name="Xin Luo" userId="82312ee5779919a4" providerId="LiveId" clId="{98EC8ECB-A80D-1449-ACFE-0D931F29C13A}" dt="2023-02-23T15:23:38.561" v="288" actId="20577"/>
+        <pc:sldMkLst>
+          <pc:docMk/>
+          <pc:sldMk cId="2415901206" sldId="2447"/>
+        </pc:sldMkLst>
+        <pc:spChg chg="mod">
+          <ac:chgData name="Xin Luo" userId="82312ee5779919a4" providerId="LiveId" clId="{98EC8ECB-A80D-1449-ACFE-0D931F29C13A}" dt="2023-02-23T15:23:38.561" v="288" actId="20577"/>
+          <ac:spMkLst>
+            <pc:docMk/>
+            <pc:sldMk cId="2415901206" sldId="2447"/>
+            <ac:spMk id="7" creationId="{00000000-0000-0000-0000-000000000000}"/>
+          </ac:spMkLst>
+        </pc:spChg>
+      </pc:sldChg>
+      <pc:sldChg chg="addSp delSp modSp mod">
+        <pc:chgData name="Xin Luo" userId="82312ee5779919a4" providerId="LiveId" clId="{98EC8ECB-A80D-1449-ACFE-0D931F29C13A}" dt="2023-02-23T15:32:00.813" v="490" actId="20577"/>
+        <pc:sldMkLst>
+          <pc:docMk/>
+          <pc:sldMk cId="4067577602" sldId="2605"/>
+        </pc:sldMkLst>
+        <pc:spChg chg="mod">
+          <ac:chgData name="Xin Luo" userId="82312ee5779919a4" providerId="LiveId" clId="{98EC8ECB-A80D-1449-ACFE-0D931F29C13A}" dt="2023-02-23T15:23:43.970" v="296" actId="20577"/>
+          <ac:spMkLst>
+            <pc:docMk/>
+            <pc:sldMk cId="4067577602" sldId="2605"/>
+            <ac:spMk id="3" creationId="{00000000-0000-0000-0000-000000000000}"/>
+          </ac:spMkLst>
+        </pc:spChg>
+        <pc:spChg chg="add mod">
+          <ac:chgData name="Xin Luo" userId="82312ee5779919a4" providerId="LiveId" clId="{98EC8ECB-A80D-1449-ACFE-0D931F29C13A}" dt="2023-02-23T15:32:00.813" v="490" actId="20577"/>
+          <ac:spMkLst>
+            <pc:docMk/>
+            <pc:sldMk cId="4067577602" sldId="2605"/>
+            <ac:spMk id="5" creationId="{78502774-B04C-634F-1396-E5815996BC36}"/>
+          </ac:spMkLst>
+        </pc:spChg>
+        <pc:spChg chg="add del">
+          <ac:chgData name="Xin Luo" userId="82312ee5779919a4" providerId="LiveId" clId="{98EC8ECB-A80D-1449-ACFE-0D931F29C13A}" dt="2023-02-23T15:31:17.254" v="472" actId="478"/>
+          <ac:spMkLst>
+            <pc:docMk/>
+            <pc:sldMk cId="4067577602" sldId="2605"/>
+            <ac:spMk id="8" creationId="{F79B8069-33FF-F2D3-2749-C72697740ACD}"/>
+          </ac:spMkLst>
+        </pc:spChg>
+        <pc:spChg chg="del">
+          <ac:chgData name="Xin Luo" userId="82312ee5779919a4" providerId="LiveId" clId="{98EC8ECB-A80D-1449-ACFE-0D931F29C13A}" dt="2023-02-23T15:23:49.248" v="298" actId="478"/>
+          <ac:spMkLst>
+            <pc:docMk/>
+            <pc:sldMk cId="4067577602" sldId="2605"/>
+            <ac:spMk id="15" creationId="{8F7436BD-0CD5-04DA-2B44-925CE86CF70D}"/>
+          </ac:spMkLst>
+        </pc:spChg>
+        <pc:spChg chg="del">
+          <ac:chgData name="Xin Luo" userId="82312ee5779919a4" providerId="LiveId" clId="{98EC8ECB-A80D-1449-ACFE-0D931F29C13A}" dt="2023-02-23T15:23:49.248" v="298" actId="478"/>
+          <ac:spMkLst>
+            <pc:docMk/>
+            <pc:sldMk cId="4067577602" sldId="2605"/>
+            <ac:spMk id="16" creationId="{5E1E7D79-A815-9A32-ABAB-129BFCE643F1}"/>
+          </ac:spMkLst>
+        </pc:spChg>
+        <pc:spChg chg="del mod">
+          <ac:chgData name="Xin Luo" userId="82312ee5779919a4" providerId="LiveId" clId="{98EC8ECB-A80D-1449-ACFE-0D931F29C13A}" dt="2023-02-23T15:23:47.004" v="297" actId="478"/>
+          <ac:spMkLst>
+            <pc:docMk/>
+            <pc:sldMk cId="4067577602" sldId="2605"/>
+            <ac:spMk id="17" creationId="{9E05FFCA-3371-AF5C-381D-71D984055F5A}"/>
+          </ac:spMkLst>
+        </pc:spChg>
+        <pc:picChg chg="del">
+          <ac:chgData name="Xin Luo" userId="82312ee5779919a4" providerId="LiveId" clId="{98EC8ECB-A80D-1449-ACFE-0D931F29C13A}" dt="2023-02-23T15:23:49.248" v="298" actId="478"/>
+          <ac:picMkLst>
+            <pc:docMk/>
+            <pc:sldMk cId="4067577602" sldId="2605"/>
+            <ac:picMk id="7" creationId="{C7993E05-4ADB-9D0C-E633-5749F445E479}"/>
+          </ac:picMkLst>
+        </pc:picChg>
+        <pc:picChg chg="del">
+          <ac:chgData name="Xin Luo" userId="82312ee5779919a4" providerId="LiveId" clId="{98EC8ECB-A80D-1449-ACFE-0D931F29C13A}" dt="2023-02-23T15:23:49.248" v="298" actId="478"/>
+          <ac:picMkLst>
+            <pc:docMk/>
+            <pc:sldMk cId="4067577602" sldId="2605"/>
+            <ac:picMk id="10" creationId="{26D555B6-DE11-BF17-8D9F-B5F93A876835}"/>
+          </ac:picMkLst>
+        </pc:picChg>
+        <pc:picChg chg="del">
+          <ac:chgData name="Xin Luo" userId="82312ee5779919a4" providerId="LiveId" clId="{98EC8ECB-A80D-1449-ACFE-0D931F29C13A}" dt="2023-02-23T15:23:49.248" v="298" actId="478"/>
+          <ac:picMkLst>
+            <pc:docMk/>
+            <pc:sldMk cId="4067577602" sldId="2605"/>
+            <ac:picMk id="1028" creationId="{9FA49340-63F1-4959-1786-FD893DE76CE9}"/>
+          </ac:picMkLst>
+        </pc:picChg>
+        <pc:picChg chg="del">
+          <ac:chgData name="Xin Luo" userId="82312ee5779919a4" providerId="LiveId" clId="{98EC8ECB-A80D-1449-ACFE-0D931F29C13A}" dt="2023-02-23T15:23:49.248" v="298" actId="478"/>
+          <ac:picMkLst>
+            <pc:docMk/>
+            <pc:sldMk cId="4067577602" sldId="2605"/>
+            <ac:picMk id="1030" creationId="{35CDAC06-D9CF-2AC8-535E-A1B01EC14218}"/>
+          </ac:picMkLst>
+        </pc:picChg>
+        <pc:picChg chg="del">
+          <ac:chgData name="Xin Luo" userId="82312ee5779919a4" providerId="LiveId" clId="{98EC8ECB-A80D-1449-ACFE-0D931F29C13A}" dt="2023-02-23T15:23:49.248" v="298" actId="478"/>
+          <ac:picMkLst>
+            <pc:docMk/>
+            <pc:sldMk cId="4067577602" sldId="2605"/>
+            <ac:picMk id="1032" creationId="{AFE202E8-A338-4627-93EE-5AD65BEE9525}"/>
+          </ac:picMkLst>
+        </pc:picChg>
+        <pc:picChg chg="del">
+          <ac:chgData name="Xin Luo" userId="82312ee5779919a4" providerId="LiveId" clId="{98EC8ECB-A80D-1449-ACFE-0D931F29C13A}" dt="2023-02-23T15:23:49.248" v="298" actId="478"/>
+          <ac:picMkLst>
+            <pc:docMk/>
+            <pc:sldMk cId="4067577602" sldId="2605"/>
+            <ac:picMk id="1034" creationId="{D5CBEF68-23C0-8F4A-FA5F-CB6BCAE76176}"/>
+          </ac:picMkLst>
+        </pc:picChg>
+        <pc:picChg chg="del">
+          <ac:chgData name="Xin Luo" userId="82312ee5779919a4" providerId="LiveId" clId="{98EC8ECB-A80D-1449-ACFE-0D931F29C13A}" dt="2023-02-23T15:23:49.248" v="298" actId="478"/>
+          <ac:picMkLst>
+            <pc:docMk/>
+            <pc:sldMk cId="4067577602" sldId="2605"/>
+            <ac:picMk id="1036" creationId="{5E2738F1-9461-1F5B-3007-2AA2AD20C330}"/>
+          </ac:picMkLst>
+        </pc:picChg>
+        <pc:cxnChg chg="del">
+          <ac:chgData name="Xin Luo" userId="82312ee5779919a4" providerId="LiveId" clId="{98EC8ECB-A80D-1449-ACFE-0D931F29C13A}" dt="2023-02-23T15:23:49.248" v="298" actId="478"/>
+          <ac:cxnSpMkLst>
+            <pc:docMk/>
+            <pc:sldMk cId="4067577602" sldId="2605"/>
+            <ac:cxnSpMk id="12" creationId="{78FA799A-1F2C-F1DA-9F71-B1B8AFBC5758}"/>
+          </ac:cxnSpMkLst>
+        </pc:cxnChg>
+      </pc:sldChg>
+      <pc:sldChg chg="modSp mod">
+        <pc:chgData name="Xin Luo" userId="82312ee5779919a4" providerId="LiveId" clId="{98EC8ECB-A80D-1449-ACFE-0D931F29C13A}" dt="2023-02-23T15:03:54.789" v="48" actId="20577"/>
+        <pc:sldMkLst>
+          <pc:docMk/>
+          <pc:sldMk cId="1658607177" sldId="2708"/>
+        </pc:sldMkLst>
+        <pc:spChg chg="mod">
+          <ac:chgData name="Xin Luo" userId="82312ee5779919a4" providerId="LiveId" clId="{98EC8ECB-A80D-1449-ACFE-0D931F29C13A}" dt="2023-02-23T15:03:29.071" v="4" actId="20577"/>
+          <ac:spMkLst>
+            <pc:docMk/>
+            <pc:sldMk cId="1658607177" sldId="2708"/>
+            <ac:spMk id="3" creationId="{E375549C-74EF-2C8F-6432-2C52B803FB1B}"/>
+          </ac:spMkLst>
+        </pc:spChg>
+        <pc:spChg chg="mod">
+          <ac:chgData name="Xin Luo" userId="82312ee5779919a4" providerId="LiveId" clId="{98EC8ECB-A80D-1449-ACFE-0D931F29C13A}" dt="2023-02-23T15:03:54.789" v="48" actId="20577"/>
+          <ac:spMkLst>
+            <pc:docMk/>
+            <pc:sldMk cId="1658607177" sldId="2708"/>
+            <ac:spMk id="24" creationId="{00000000-0000-0000-0000-000000000000}"/>
+          </ac:spMkLst>
+        </pc:spChg>
+      </pc:sldChg>
+      <pc:sldChg chg="modSp mod">
+        <pc:chgData name="Xin Luo" userId="82312ee5779919a4" providerId="LiveId" clId="{98EC8ECB-A80D-1449-ACFE-0D931F29C13A}" dt="2023-02-23T15:46:16.929" v="710" actId="20577"/>
+        <pc:sldMkLst>
+          <pc:docMk/>
+          <pc:sldMk cId="481122590" sldId="2709"/>
+        </pc:sldMkLst>
+        <pc:spChg chg="mod">
+          <ac:chgData name="Xin Luo" userId="82312ee5779919a4" providerId="LiveId" clId="{98EC8ECB-A80D-1449-ACFE-0D931F29C13A}" dt="2023-02-23T15:46:16.929" v="710" actId="20577"/>
+          <ac:spMkLst>
+            <pc:docMk/>
+            <pc:sldMk cId="481122590" sldId="2709"/>
+            <ac:spMk id="7" creationId="{00000000-0000-0000-0000-000000000000}"/>
+          </ac:spMkLst>
+        </pc:spChg>
+      </pc:sldChg>
+      <pc:sldChg chg="modSp mod">
+        <pc:chgData name="Xin Luo" userId="82312ee5779919a4" providerId="LiveId" clId="{98EC8ECB-A80D-1449-ACFE-0D931F29C13A}" dt="2023-02-23T15:46:36.362" v="717" actId="20577"/>
+        <pc:sldMkLst>
+          <pc:docMk/>
+          <pc:sldMk cId="3833073590" sldId="2716"/>
+        </pc:sldMkLst>
+        <pc:spChg chg="mod">
+          <ac:chgData name="Xin Luo" userId="82312ee5779919a4" providerId="LiveId" clId="{98EC8ECB-A80D-1449-ACFE-0D931F29C13A}" dt="2023-02-23T15:46:29.354" v="716" actId="108"/>
+          <ac:spMkLst>
+            <pc:docMk/>
+            <pc:sldMk cId="3833073590" sldId="2716"/>
+            <ac:spMk id="3" creationId="{00000000-0000-0000-0000-000000000000}"/>
+          </ac:spMkLst>
+        </pc:spChg>
+        <pc:spChg chg="mod">
+          <ac:chgData name="Xin Luo" userId="82312ee5779919a4" providerId="LiveId" clId="{98EC8ECB-A80D-1449-ACFE-0D931F29C13A}" dt="2023-02-23T15:46:36.362" v="717" actId="20577"/>
+          <ac:spMkLst>
+            <pc:docMk/>
+            <pc:sldMk cId="3833073590" sldId="2716"/>
+            <ac:spMk id="5" creationId="{9F4AEA98-0C33-E82A-EB75-839D0F0B55A4}"/>
+          </ac:spMkLst>
+        </pc:spChg>
+      </pc:sldChg>
+      <pc:sldChg chg="modSp mod">
+        <pc:chgData name="Xin Luo" userId="82312ee5779919a4" providerId="LiveId" clId="{98EC8ECB-A80D-1449-ACFE-0D931F29C13A}" dt="2023-02-23T15:47:08.933" v="728" actId="20577"/>
+        <pc:sldMkLst>
+          <pc:docMk/>
+          <pc:sldMk cId="972163772" sldId="2720"/>
+        </pc:sldMkLst>
+        <pc:spChg chg="mod">
+          <ac:chgData name="Xin Luo" userId="82312ee5779919a4" providerId="LiveId" clId="{98EC8ECB-A80D-1449-ACFE-0D931F29C13A}" dt="2023-02-23T15:47:00.360" v="722" actId="1076"/>
+          <ac:spMkLst>
+            <pc:docMk/>
+            <pc:sldMk cId="972163772" sldId="2720"/>
+            <ac:spMk id="3" creationId="{00000000-0000-0000-0000-000000000000}"/>
+          </ac:spMkLst>
+        </pc:spChg>
+        <pc:spChg chg="mod">
+          <ac:chgData name="Xin Luo" userId="82312ee5779919a4" providerId="LiveId" clId="{98EC8ECB-A80D-1449-ACFE-0D931F29C13A}" dt="2023-02-23T15:47:08.933" v="728" actId="20577"/>
+          <ac:spMkLst>
+            <pc:docMk/>
+            <pc:sldMk cId="972163772" sldId="2720"/>
+            <ac:spMk id="7" creationId="{00000000-0000-0000-0000-000000000000}"/>
+          </ac:spMkLst>
+        </pc:spChg>
+      </pc:sldChg>
+      <pc:sldChg chg="modSp mod">
+        <pc:chgData name="Xin Luo" userId="82312ee5779919a4" providerId="LiveId" clId="{98EC8ECB-A80D-1449-ACFE-0D931F29C13A}" dt="2023-02-23T15:47:17.016" v="729"/>
+        <pc:sldMkLst>
+          <pc:docMk/>
+          <pc:sldMk cId="2689695864" sldId="2721"/>
+        </pc:sldMkLst>
+        <pc:spChg chg="mod">
+          <ac:chgData name="Xin Luo" userId="82312ee5779919a4" providerId="LiveId" clId="{98EC8ECB-A80D-1449-ACFE-0D931F29C13A}" dt="2023-02-23T15:47:17.016" v="729"/>
+          <ac:spMkLst>
+            <pc:docMk/>
+            <pc:sldMk cId="2689695864" sldId="2721"/>
+            <ac:spMk id="3" creationId="{00000000-0000-0000-0000-000000000000}"/>
+          </ac:spMkLst>
+        </pc:spChg>
+      </pc:sldChg>
+      <pc:sldChg chg="delSp modSp mod">
+        <pc:chgData name="Xin Luo" userId="82312ee5779919a4" providerId="LiveId" clId="{98EC8ECB-A80D-1449-ACFE-0D931F29C13A}" dt="2023-02-23T15:47:30.471" v="734" actId="478"/>
+        <pc:sldMkLst>
+          <pc:docMk/>
+          <pc:sldMk cId="1209572041" sldId="2722"/>
+        </pc:sldMkLst>
+        <pc:spChg chg="del mod">
+          <ac:chgData name="Xin Luo" userId="82312ee5779919a4" providerId="LiveId" clId="{98EC8ECB-A80D-1449-ACFE-0D931F29C13A}" dt="2023-02-23T15:47:30.471" v="734" actId="478"/>
+          <ac:spMkLst>
+            <pc:docMk/>
+            <pc:sldMk cId="1209572041" sldId="2722"/>
+            <ac:spMk id="14" creationId="{0DADB612-499B-577C-8C56-FA81A4204DD1}"/>
+          </ac:spMkLst>
+        </pc:spChg>
+      </pc:sldChg>
+      <pc:sldChg chg="del">
+        <pc:chgData name="Xin Luo" userId="82312ee5779919a4" providerId="LiveId" clId="{98EC8ECB-A80D-1449-ACFE-0D931F29C13A}" dt="2023-02-23T15:46:08.434" v="701" actId="2696"/>
+        <pc:sldMkLst>
+          <pc:docMk/>
+          <pc:sldMk cId="353940032" sldId="2725"/>
+        </pc:sldMkLst>
+      </pc:sldChg>
+      <pc:sldChg chg="del">
+        <pc:chgData name="Xin Luo" userId="82312ee5779919a4" providerId="LiveId" clId="{98EC8ECB-A80D-1449-ACFE-0D931F29C13A}" dt="2023-02-23T15:46:08.455" v="709" actId="2696"/>
+        <pc:sldMkLst>
+          <pc:docMk/>
+          <pc:sldMk cId="45083394" sldId="2726"/>
+        </pc:sldMkLst>
+      </pc:sldChg>
+      <pc:sldChg chg="del">
+        <pc:chgData name="Xin Luo" userId="82312ee5779919a4" providerId="LiveId" clId="{98EC8ECB-A80D-1449-ACFE-0D931F29C13A}" dt="2023-02-23T15:46:08.437" v="702" actId="2696"/>
+        <pc:sldMkLst>
+          <pc:docMk/>
+          <pc:sldMk cId="148985918" sldId="2727"/>
+        </pc:sldMkLst>
+      </pc:sldChg>
+      <pc:sldChg chg="del">
+        <pc:chgData name="Xin Luo" userId="82312ee5779919a4" providerId="LiveId" clId="{98EC8ECB-A80D-1449-ACFE-0D931F29C13A}" dt="2023-02-23T15:46:08.445" v="706" actId="2696"/>
+        <pc:sldMkLst>
+          <pc:docMk/>
+          <pc:sldMk cId="3544980656" sldId="2728"/>
+        </pc:sldMkLst>
+      </pc:sldChg>
+      <pc:sldChg chg="del">
+        <pc:chgData name="Xin Luo" userId="82312ee5779919a4" providerId="LiveId" clId="{98EC8ECB-A80D-1449-ACFE-0D931F29C13A}" dt="2023-02-23T15:46:08.448" v="708" actId="2696"/>
+        <pc:sldMkLst>
+          <pc:docMk/>
+          <pc:sldMk cId="1664139585" sldId="2729"/>
+        </pc:sldMkLst>
+      </pc:sldChg>
+      <pc:sldChg chg="del">
+        <pc:chgData name="Xin Luo" userId="82312ee5779919a4" providerId="LiveId" clId="{98EC8ECB-A80D-1449-ACFE-0D931F29C13A}" dt="2023-02-23T15:46:08.446" v="707" actId="2696"/>
+        <pc:sldMkLst>
+          <pc:docMk/>
+          <pc:sldMk cId="3561803108" sldId="2730"/>
+        </pc:sldMkLst>
+      </pc:sldChg>
+      <pc:sldChg chg="del">
+        <pc:chgData name="Xin Luo" userId="82312ee5779919a4" providerId="LiveId" clId="{98EC8ECB-A80D-1449-ACFE-0D931F29C13A}" dt="2023-02-23T15:46:08.439" v="703" actId="2696"/>
+        <pc:sldMkLst>
+          <pc:docMk/>
+          <pc:sldMk cId="236610701" sldId="2731"/>
+        </pc:sldMkLst>
+      </pc:sldChg>
+      <pc:sldChg chg="del">
+        <pc:chgData name="Xin Luo" userId="82312ee5779919a4" providerId="LiveId" clId="{98EC8ECB-A80D-1449-ACFE-0D931F29C13A}" dt="2023-02-23T15:46:08.441" v="704" actId="2696"/>
+        <pc:sldMkLst>
+          <pc:docMk/>
+          <pc:sldMk cId="1986913413" sldId="2732"/>
+        </pc:sldMkLst>
+      </pc:sldChg>
+      <pc:sldChg chg="del">
+        <pc:chgData name="Xin Luo" userId="82312ee5779919a4" providerId="LiveId" clId="{98EC8ECB-A80D-1449-ACFE-0D931F29C13A}" dt="2023-02-23T15:46:08.443" v="705" actId="2696"/>
+        <pc:sldMkLst>
+          <pc:docMk/>
+          <pc:sldMk cId="270311508" sldId="2733"/>
+        </pc:sldMkLst>
+      </pc:sldChg>
+      <pc:sldChg chg="del">
+        <pc:chgData name="Xin Luo" userId="82312ee5779919a4" providerId="LiveId" clId="{98EC8ECB-A80D-1449-ACFE-0D931F29C13A}" dt="2023-02-23T15:47:22.827" v="730" actId="2696"/>
+        <pc:sldMkLst>
+          <pc:docMk/>
+          <pc:sldMk cId="3138813826" sldId="2734"/>
+        </pc:sldMkLst>
+      </pc:sldChg>
+      <pc:sldChg chg="del">
+        <pc:chgData name="Xin Luo" userId="82312ee5779919a4" providerId="LiveId" clId="{98EC8ECB-A80D-1449-ACFE-0D931F29C13A}" dt="2023-02-23T15:47:22.864" v="732" actId="2696"/>
+        <pc:sldMkLst>
+          <pc:docMk/>
+          <pc:sldMk cId="128317883" sldId="2735"/>
+        </pc:sldMkLst>
+      </pc:sldChg>
+      <pc:sldChg chg="del">
+        <pc:chgData name="Xin Luo" userId="82312ee5779919a4" providerId="LiveId" clId="{98EC8ECB-A80D-1449-ACFE-0D931F29C13A}" dt="2023-02-23T15:47:22.829" v="731" actId="2696"/>
+        <pc:sldMkLst>
+          <pc:docMk/>
+          <pc:sldMk cId="383906436" sldId="2736"/>
+        </pc:sldMkLst>
+      </pc:sldChg>
+      <pc:sldChg chg="addSp delSp modSp add mod">
+        <pc:chgData name="Xin Luo" userId="82312ee5779919a4" providerId="LiveId" clId="{98EC8ECB-A80D-1449-ACFE-0D931F29C13A}" dt="2023-02-23T15:45:27.987" v="683" actId="1037"/>
+        <pc:sldMkLst>
+          <pc:docMk/>
+          <pc:sldMk cId="655142816" sldId="2737"/>
+        </pc:sldMkLst>
+        <pc:spChg chg="add del mod">
+          <ac:chgData name="Xin Luo" userId="82312ee5779919a4" providerId="LiveId" clId="{98EC8ECB-A80D-1449-ACFE-0D931F29C13A}" dt="2023-02-23T15:36:38.445" v="650" actId="20577"/>
+          <ac:spMkLst>
+            <pc:docMk/>
+            <pc:sldMk cId="655142816" sldId="2737"/>
+            <ac:spMk id="5" creationId="{78502774-B04C-634F-1396-E5815996BC36}"/>
+          </ac:spMkLst>
+        </pc:spChg>
+        <pc:spChg chg="del mod">
+          <ac:chgData name="Xin Luo" userId="82312ee5779919a4" providerId="LiveId" clId="{98EC8ECB-A80D-1449-ACFE-0D931F29C13A}" dt="2023-02-23T15:31:28.203" v="477" actId="478"/>
+          <ac:spMkLst>
+            <pc:docMk/>
+            <pc:sldMk cId="655142816" sldId="2737"/>
+            <ac:spMk id="8" creationId="{F79B8069-33FF-F2D3-2749-C72697740ACD}"/>
+          </ac:spMkLst>
+        </pc:spChg>
+        <pc:picChg chg="add mod">
+          <ac:chgData name="Xin Luo" userId="82312ee5779919a4" providerId="LiveId" clId="{98EC8ECB-A80D-1449-ACFE-0D931F29C13A}" dt="2023-02-23T15:45:27.987" v="683" actId="1037"/>
+          <ac:picMkLst>
+            <pc:docMk/>
+            <pc:sldMk cId="655142816" sldId="2737"/>
+            <ac:picMk id="1026" creationId="{75908E15-58DA-73BD-95F9-CACD1B8B9D82}"/>
+          </ac:picMkLst>
+        </pc:picChg>
+        <pc:picChg chg="add mod">
+          <ac:chgData name="Xin Luo" userId="82312ee5779919a4" providerId="LiveId" clId="{98EC8ECB-A80D-1449-ACFE-0D931F29C13A}" dt="2023-02-23T15:45:27.987" v="683" actId="1037"/>
+          <ac:picMkLst>
+            <pc:docMk/>
+            <pc:sldMk cId="655142816" sldId="2737"/>
+            <ac:picMk id="1028" creationId="{1E2BFB6C-B7E5-CAF9-B8CC-09A5029EC264}"/>
+          </ac:picMkLst>
+        </pc:picChg>
+        <pc:picChg chg="add mod">
+          <ac:chgData name="Xin Luo" userId="82312ee5779919a4" providerId="LiveId" clId="{98EC8ECB-A80D-1449-ACFE-0D931F29C13A}" dt="2023-02-23T15:45:27.987" v="683" actId="1037"/>
+          <ac:picMkLst>
+            <pc:docMk/>
+            <pc:sldMk cId="655142816" sldId="2737"/>
+            <ac:picMk id="1030" creationId="{CB7EE236-3D18-EC53-3225-10EBB3B4EC77}"/>
+          </ac:picMkLst>
+        </pc:picChg>
+        <pc:picChg chg="add mod">
+          <ac:chgData name="Xin Luo" userId="82312ee5779919a4" providerId="LiveId" clId="{98EC8ECB-A80D-1449-ACFE-0D931F29C13A}" dt="2023-02-23T15:45:27.987" v="683" actId="1037"/>
+          <ac:picMkLst>
+            <pc:docMk/>
+            <pc:sldMk cId="655142816" sldId="2737"/>
+            <ac:picMk id="1032" creationId="{BFA8C7BD-9CEC-ADA1-21BA-0EE8338C6EA3}"/>
+          </ac:picMkLst>
+        </pc:picChg>
+      </pc:sldChg>
+    </pc:docChg>
+  </pc:docChgLst>
+  <pc:docChgLst>
     <pc:chgData name="Xin Luo" userId="82312ee5779919a4" providerId="LiveId" clId="{83A86666-6E1F-CF4A-9A76-CE1194EA2366}"/>
     <pc:docChg chg="undo custSel addSld delSld modSld">
       <pc:chgData name="Xin Luo" userId="82312ee5779919a4" providerId="LiveId" clId="{83A86666-6E1F-CF4A-9A76-CE1194EA2366}" dt="2024-04-24T02:50:31.582" v="1534" actId="2710"/>
@@ -7163,441 +7598,6 @@
             <ac:spMk id="7" creationId="{3DC73F52-8630-3936-0F04-2680DDF7D3C8}"/>
           </ac:spMkLst>
         </pc:spChg>
-      </pc:sldChg>
-    </pc:docChg>
-  </pc:docChgLst>
-  <pc:docChgLst>
-    <pc:chgData name="Xin Luo" userId="82312ee5779919a4" providerId="LiveId" clId="{98EC8ECB-A80D-1449-ACFE-0D931F29C13A}"/>
-    <pc:docChg chg="undo custSel addSld delSld modSld">
-      <pc:chgData name="Xin Luo" userId="82312ee5779919a4" providerId="LiveId" clId="{98EC8ECB-A80D-1449-ACFE-0D931F29C13A}" dt="2023-02-23T15:47:30.471" v="734" actId="478"/>
-      <pc:docMkLst>
-        <pc:docMk/>
-      </pc:docMkLst>
-      <pc:sldChg chg="modSp mod">
-        <pc:chgData name="Xin Luo" userId="82312ee5779919a4" providerId="LiveId" clId="{98EC8ECB-A80D-1449-ACFE-0D931F29C13A}" dt="2023-02-23T15:07:38.481" v="282" actId="20577"/>
-        <pc:sldMkLst>
-          <pc:docMk/>
-          <pc:sldMk cId="1576120367" sldId="2387"/>
-        </pc:sldMkLst>
-        <pc:spChg chg="mod">
-          <ac:chgData name="Xin Luo" userId="82312ee5779919a4" providerId="LiveId" clId="{98EC8ECB-A80D-1449-ACFE-0D931F29C13A}" dt="2023-02-23T15:07:38.481" v="282" actId="20577"/>
-          <ac:spMkLst>
-            <pc:docMk/>
-            <pc:sldMk cId="1576120367" sldId="2387"/>
-            <ac:spMk id="5" creationId="{494DAA55-5621-28DB-D255-E0EBB6C6477B}"/>
-          </ac:spMkLst>
-        </pc:spChg>
-        <pc:spChg chg="mod">
-          <ac:chgData name="Xin Luo" userId="82312ee5779919a4" providerId="LiveId" clId="{98EC8ECB-A80D-1449-ACFE-0D931F29C13A}" dt="2023-02-23T15:06:04.024" v="241" actId="1076"/>
-          <ac:spMkLst>
-            <pc:docMk/>
-            <pc:sldMk cId="1576120367" sldId="2387"/>
-            <ac:spMk id="6" creationId="{00000000-0000-0000-0000-000000000000}"/>
-          </ac:spMkLst>
-        </pc:spChg>
-        <pc:spChg chg="mod">
-          <ac:chgData name="Xin Luo" userId="82312ee5779919a4" providerId="LiveId" clId="{98EC8ECB-A80D-1449-ACFE-0D931F29C13A}" dt="2023-02-23T15:05:37.607" v="201" actId="403"/>
-          <ac:spMkLst>
-            <pc:docMk/>
-            <pc:sldMk cId="1576120367" sldId="2387"/>
-            <ac:spMk id="12" creationId="{00000000-0000-0000-0000-000000000000}"/>
-          </ac:spMkLst>
-        </pc:spChg>
-        <pc:spChg chg="mod">
-          <ac:chgData name="Xin Luo" userId="82312ee5779919a4" providerId="LiveId" clId="{98EC8ECB-A80D-1449-ACFE-0D931F29C13A}" dt="2023-02-23T15:04:17.856" v="99" actId="20577"/>
-          <ac:spMkLst>
-            <pc:docMk/>
-            <pc:sldMk cId="1576120367" sldId="2387"/>
-            <ac:spMk id="14" creationId="{00000000-0000-0000-0000-000000000000}"/>
-          </ac:spMkLst>
-        </pc:spChg>
-      </pc:sldChg>
-      <pc:sldChg chg="modSp mod">
-        <pc:chgData name="Xin Luo" userId="82312ee5779919a4" providerId="LiveId" clId="{98EC8ECB-A80D-1449-ACFE-0D931F29C13A}" dt="2023-02-23T15:23:38.561" v="288" actId="20577"/>
-        <pc:sldMkLst>
-          <pc:docMk/>
-          <pc:sldMk cId="2415901206" sldId="2447"/>
-        </pc:sldMkLst>
-        <pc:spChg chg="mod">
-          <ac:chgData name="Xin Luo" userId="82312ee5779919a4" providerId="LiveId" clId="{98EC8ECB-A80D-1449-ACFE-0D931F29C13A}" dt="2023-02-23T15:23:38.561" v="288" actId="20577"/>
-          <ac:spMkLst>
-            <pc:docMk/>
-            <pc:sldMk cId="2415901206" sldId="2447"/>
-            <ac:spMk id="7" creationId="{00000000-0000-0000-0000-000000000000}"/>
-          </ac:spMkLst>
-        </pc:spChg>
-      </pc:sldChg>
-      <pc:sldChg chg="addSp delSp modSp mod">
-        <pc:chgData name="Xin Luo" userId="82312ee5779919a4" providerId="LiveId" clId="{98EC8ECB-A80D-1449-ACFE-0D931F29C13A}" dt="2023-02-23T15:32:00.813" v="490" actId="20577"/>
-        <pc:sldMkLst>
-          <pc:docMk/>
-          <pc:sldMk cId="4067577602" sldId="2605"/>
-        </pc:sldMkLst>
-        <pc:spChg chg="mod">
-          <ac:chgData name="Xin Luo" userId="82312ee5779919a4" providerId="LiveId" clId="{98EC8ECB-A80D-1449-ACFE-0D931F29C13A}" dt="2023-02-23T15:23:43.970" v="296" actId="20577"/>
-          <ac:spMkLst>
-            <pc:docMk/>
-            <pc:sldMk cId="4067577602" sldId="2605"/>
-            <ac:spMk id="3" creationId="{00000000-0000-0000-0000-000000000000}"/>
-          </ac:spMkLst>
-        </pc:spChg>
-        <pc:spChg chg="add mod">
-          <ac:chgData name="Xin Luo" userId="82312ee5779919a4" providerId="LiveId" clId="{98EC8ECB-A80D-1449-ACFE-0D931F29C13A}" dt="2023-02-23T15:32:00.813" v="490" actId="20577"/>
-          <ac:spMkLst>
-            <pc:docMk/>
-            <pc:sldMk cId="4067577602" sldId="2605"/>
-            <ac:spMk id="5" creationId="{78502774-B04C-634F-1396-E5815996BC36}"/>
-          </ac:spMkLst>
-        </pc:spChg>
-        <pc:spChg chg="add del">
-          <ac:chgData name="Xin Luo" userId="82312ee5779919a4" providerId="LiveId" clId="{98EC8ECB-A80D-1449-ACFE-0D931F29C13A}" dt="2023-02-23T15:31:17.254" v="472" actId="478"/>
-          <ac:spMkLst>
-            <pc:docMk/>
-            <pc:sldMk cId="4067577602" sldId="2605"/>
-            <ac:spMk id="8" creationId="{F79B8069-33FF-F2D3-2749-C72697740ACD}"/>
-          </ac:spMkLst>
-        </pc:spChg>
-        <pc:spChg chg="del">
-          <ac:chgData name="Xin Luo" userId="82312ee5779919a4" providerId="LiveId" clId="{98EC8ECB-A80D-1449-ACFE-0D931F29C13A}" dt="2023-02-23T15:23:49.248" v="298" actId="478"/>
-          <ac:spMkLst>
-            <pc:docMk/>
-            <pc:sldMk cId="4067577602" sldId="2605"/>
-            <ac:spMk id="15" creationId="{8F7436BD-0CD5-04DA-2B44-925CE86CF70D}"/>
-          </ac:spMkLst>
-        </pc:spChg>
-        <pc:spChg chg="del">
-          <ac:chgData name="Xin Luo" userId="82312ee5779919a4" providerId="LiveId" clId="{98EC8ECB-A80D-1449-ACFE-0D931F29C13A}" dt="2023-02-23T15:23:49.248" v="298" actId="478"/>
-          <ac:spMkLst>
-            <pc:docMk/>
-            <pc:sldMk cId="4067577602" sldId="2605"/>
-            <ac:spMk id="16" creationId="{5E1E7D79-A815-9A32-ABAB-129BFCE643F1}"/>
-          </ac:spMkLst>
-        </pc:spChg>
-        <pc:spChg chg="del mod">
-          <ac:chgData name="Xin Luo" userId="82312ee5779919a4" providerId="LiveId" clId="{98EC8ECB-A80D-1449-ACFE-0D931F29C13A}" dt="2023-02-23T15:23:47.004" v="297" actId="478"/>
-          <ac:spMkLst>
-            <pc:docMk/>
-            <pc:sldMk cId="4067577602" sldId="2605"/>
-            <ac:spMk id="17" creationId="{9E05FFCA-3371-AF5C-381D-71D984055F5A}"/>
-          </ac:spMkLst>
-        </pc:spChg>
-        <pc:picChg chg="del">
-          <ac:chgData name="Xin Luo" userId="82312ee5779919a4" providerId="LiveId" clId="{98EC8ECB-A80D-1449-ACFE-0D931F29C13A}" dt="2023-02-23T15:23:49.248" v="298" actId="478"/>
-          <ac:picMkLst>
-            <pc:docMk/>
-            <pc:sldMk cId="4067577602" sldId="2605"/>
-            <ac:picMk id="7" creationId="{C7993E05-4ADB-9D0C-E633-5749F445E479}"/>
-          </ac:picMkLst>
-        </pc:picChg>
-        <pc:picChg chg="del">
-          <ac:chgData name="Xin Luo" userId="82312ee5779919a4" providerId="LiveId" clId="{98EC8ECB-A80D-1449-ACFE-0D931F29C13A}" dt="2023-02-23T15:23:49.248" v="298" actId="478"/>
-          <ac:picMkLst>
-            <pc:docMk/>
-            <pc:sldMk cId="4067577602" sldId="2605"/>
-            <ac:picMk id="10" creationId="{26D555B6-DE11-BF17-8D9F-B5F93A876835}"/>
-          </ac:picMkLst>
-        </pc:picChg>
-        <pc:picChg chg="del">
-          <ac:chgData name="Xin Luo" userId="82312ee5779919a4" providerId="LiveId" clId="{98EC8ECB-A80D-1449-ACFE-0D931F29C13A}" dt="2023-02-23T15:23:49.248" v="298" actId="478"/>
-          <ac:picMkLst>
-            <pc:docMk/>
-            <pc:sldMk cId="4067577602" sldId="2605"/>
-            <ac:picMk id="1028" creationId="{9FA49340-63F1-4959-1786-FD893DE76CE9}"/>
-          </ac:picMkLst>
-        </pc:picChg>
-        <pc:picChg chg="del">
-          <ac:chgData name="Xin Luo" userId="82312ee5779919a4" providerId="LiveId" clId="{98EC8ECB-A80D-1449-ACFE-0D931F29C13A}" dt="2023-02-23T15:23:49.248" v="298" actId="478"/>
-          <ac:picMkLst>
-            <pc:docMk/>
-            <pc:sldMk cId="4067577602" sldId="2605"/>
-            <ac:picMk id="1030" creationId="{35CDAC06-D9CF-2AC8-535E-A1B01EC14218}"/>
-          </ac:picMkLst>
-        </pc:picChg>
-        <pc:picChg chg="del">
-          <ac:chgData name="Xin Luo" userId="82312ee5779919a4" providerId="LiveId" clId="{98EC8ECB-A80D-1449-ACFE-0D931F29C13A}" dt="2023-02-23T15:23:49.248" v="298" actId="478"/>
-          <ac:picMkLst>
-            <pc:docMk/>
-            <pc:sldMk cId="4067577602" sldId="2605"/>
-            <ac:picMk id="1032" creationId="{AFE202E8-A338-4627-93EE-5AD65BEE9525}"/>
-          </ac:picMkLst>
-        </pc:picChg>
-        <pc:picChg chg="del">
-          <ac:chgData name="Xin Luo" userId="82312ee5779919a4" providerId="LiveId" clId="{98EC8ECB-A80D-1449-ACFE-0D931F29C13A}" dt="2023-02-23T15:23:49.248" v="298" actId="478"/>
-          <ac:picMkLst>
-            <pc:docMk/>
-            <pc:sldMk cId="4067577602" sldId="2605"/>
-            <ac:picMk id="1034" creationId="{D5CBEF68-23C0-8F4A-FA5F-CB6BCAE76176}"/>
-          </ac:picMkLst>
-        </pc:picChg>
-        <pc:picChg chg="del">
-          <ac:chgData name="Xin Luo" userId="82312ee5779919a4" providerId="LiveId" clId="{98EC8ECB-A80D-1449-ACFE-0D931F29C13A}" dt="2023-02-23T15:23:49.248" v="298" actId="478"/>
-          <ac:picMkLst>
-            <pc:docMk/>
-            <pc:sldMk cId="4067577602" sldId="2605"/>
-            <ac:picMk id="1036" creationId="{5E2738F1-9461-1F5B-3007-2AA2AD20C330}"/>
-          </ac:picMkLst>
-        </pc:picChg>
-        <pc:cxnChg chg="del">
-          <ac:chgData name="Xin Luo" userId="82312ee5779919a4" providerId="LiveId" clId="{98EC8ECB-A80D-1449-ACFE-0D931F29C13A}" dt="2023-02-23T15:23:49.248" v="298" actId="478"/>
-          <ac:cxnSpMkLst>
-            <pc:docMk/>
-            <pc:sldMk cId="4067577602" sldId="2605"/>
-            <ac:cxnSpMk id="12" creationId="{78FA799A-1F2C-F1DA-9F71-B1B8AFBC5758}"/>
-          </ac:cxnSpMkLst>
-        </pc:cxnChg>
-      </pc:sldChg>
-      <pc:sldChg chg="modSp mod">
-        <pc:chgData name="Xin Luo" userId="82312ee5779919a4" providerId="LiveId" clId="{98EC8ECB-A80D-1449-ACFE-0D931F29C13A}" dt="2023-02-23T15:03:54.789" v="48" actId="20577"/>
-        <pc:sldMkLst>
-          <pc:docMk/>
-          <pc:sldMk cId="1658607177" sldId="2708"/>
-        </pc:sldMkLst>
-        <pc:spChg chg="mod">
-          <ac:chgData name="Xin Luo" userId="82312ee5779919a4" providerId="LiveId" clId="{98EC8ECB-A80D-1449-ACFE-0D931F29C13A}" dt="2023-02-23T15:03:29.071" v="4" actId="20577"/>
-          <ac:spMkLst>
-            <pc:docMk/>
-            <pc:sldMk cId="1658607177" sldId="2708"/>
-            <ac:spMk id="3" creationId="{E375549C-74EF-2C8F-6432-2C52B803FB1B}"/>
-          </ac:spMkLst>
-        </pc:spChg>
-        <pc:spChg chg="mod">
-          <ac:chgData name="Xin Luo" userId="82312ee5779919a4" providerId="LiveId" clId="{98EC8ECB-A80D-1449-ACFE-0D931F29C13A}" dt="2023-02-23T15:03:54.789" v="48" actId="20577"/>
-          <ac:spMkLst>
-            <pc:docMk/>
-            <pc:sldMk cId="1658607177" sldId="2708"/>
-            <ac:spMk id="24" creationId="{00000000-0000-0000-0000-000000000000}"/>
-          </ac:spMkLst>
-        </pc:spChg>
-      </pc:sldChg>
-      <pc:sldChg chg="modSp mod">
-        <pc:chgData name="Xin Luo" userId="82312ee5779919a4" providerId="LiveId" clId="{98EC8ECB-A80D-1449-ACFE-0D931F29C13A}" dt="2023-02-23T15:46:16.929" v="710" actId="20577"/>
-        <pc:sldMkLst>
-          <pc:docMk/>
-          <pc:sldMk cId="481122590" sldId="2709"/>
-        </pc:sldMkLst>
-        <pc:spChg chg="mod">
-          <ac:chgData name="Xin Luo" userId="82312ee5779919a4" providerId="LiveId" clId="{98EC8ECB-A80D-1449-ACFE-0D931F29C13A}" dt="2023-02-23T15:46:16.929" v="710" actId="20577"/>
-          <ac:spMkLst>
-            <pc:docMk/>
-            <pc:sldMk cId="481122590" sldId="2709"/>
-            <ac:spMk id="7" creationId="{00000000-0000-0000-0000-000000000000}"/>
-          </ac:spMkLst>
-        </pc:spChg>
-      </pc:sldChg>
-      <pc:sldChg chg="modSp mod">
-        <pc:chgData name="Xin Luo" userId="82312ee5779919a4" providerId="LiveId" clId="{98EC8ECB-A80D-1449-ACFE-0D931F29C13A}" dt="2023-02-23T15:46:36.362" v="717" actId="20577"/>
-        <pc:sldMkLst>
-          <pc:docMk/>
-          <pc:sldMk cId="3833073590" sldId="2716"/>
-        </pc:sldMkLst>
-        <pc:spChg chg="mod">
-          <ac:chgData name="Xin Luo" userId="82312ee5779919a4" providerId="LiveId" clId="{98EC8ECB-A80D-1449-ACFE-0D931F29C13A}" dt="2023-02-23T15:46:29.354" v="716" actId="108"/>
-          <ac:spMkLst>
-            <pc:docMk/>
-            <pc:sldMk cId="3833073590" sldId="2716"/>
-            <ac:spMk id="3" creationId="{00000000-0000-0000-0000-000000000000}"/>
-          </ac:spMkLst>
-        </pc:spChg>
-        <pc:spChg chg="mod">
-          <ac:chgData name="Xin Luo" userId="82312ee5779919a4" providerId="LiveId" clId="{98EC8ECB-A80D-1449-ACFE-0D931F29C13A}" dt="2023-02-23T15:46:36.362" v="717" actId="20577"/>
-          <ac:spMkLst>
-            <pc:docMk/>
-            <pc:sldMk cId="3833073590" sldId="2716"/>
-            <ac:spMk id="5" creationId="{9F4AEA98-0C33-E82A-EB75-839D0F0B55A4}"/>
-          </ac:spMkLst>
-        </pc:spChg>
-      </pc:sldChg>
-      <pc:sldChg chg="modSp mod">
-        <pc:chgData name="Xin Luo" userId="82312ee5779919a4" providerId="LiveId" clId="{98EC8ECB-A80D-1449-ACFE-0D931F29C13A}" dt="2023-02-23T15:47:08.933" v="728" actId="20577"/>
-        <pc:sldMkLst>
-          <pc:docMk/>
-          <pc:sldMk cId="972163772" sldId="2720"/>
-        </pc:sldMkLst>
-        <pc:spChg chg="mod">
-          <ac:chgData name="Xin Luo" userId="82312ee5779919a4" providerId="LiveId" clId="{98EC8ECB-A80D-1449-ACFE-0D931F29C13A}" dt="2023-02-23T15:47:00.360" v="722" actId="1076"/>
-          <ac:spMkLst>
-            <pc:docMk/>
-            <pc:sldMk cId="972163772" sldId="2720"/>
-            <ac:spMk id="3" creationId="{00000000-0000-0000-0000-000000000000}"/>
-          </ac:spMkLst>
-        </pc:spChg>
-        <pc:spChg chg="mod">
-          <ac:chgData name="Xin Luo" userId="82312ee5779919a4" providerId="LiveId" clId="{98EC8ECB-A80D-1449-ACFE-0D931F29C13A}" dt="2023-02-23T15:47:08.933" v="728" actId="20577"/>
-          <ac:spMkLst>
-            <pc:docMk/>
-            <pc:sldMk cId="972163772" sldId="2720"/>
-            <ac:spMk id="7" creationId="{00000000-0000-0000-0000-000000000000}"/>
-          </ac:spMkLst>
-        </pc:spChg>
-      </pc:sldChg>
-      <pc:sldChg chg="modSp mod">
-        <pc:chgData name="Xin Luo" userId="82312ee5779919a4" providerId="LiveId" clId="{98EC8ECB-A80D-1449-ACFE-0D931F29C13A}" dt="2023-02-23T15:47:17.016" v="729"/>
-        <pc:sldMkLst>
-          <pc:docMk/>
-          <pc:sldMk cId="2689695864" sldId="2721"/>
-        </pc:sldMkLst>
-        <pc:spChg chg="mod">
-          <ac:chgData name="Xin Luo" userId="82312ee5779919a4" providerId="LiveId" clId="{98EC8ECB-A80D-1449-ACFE-0D931F29C13A}" dt="2023-02-23T15:47:17.016" v="729"/>
-          <ac:spMkLst>
-            <pc:docMk/>
-            <pc:sldMk cId="2689695864" sldId="2721"/>
-            <ac:spMk id="3" creationId="{00000000-0000-0000-0000-000000000000}"/>
-          </ac:spMkLst>
-        </pc:spChg>
-      </pc:sldChg>
-      <pc:sldChg chg="delSp modSp mod">
-        <pc:chgData name="Xin Luo" userId="82312ee5779919a4" providerId="LiveId" clId="{98EC8ECB-A80D-1449-ACFE-0D931F29C13A}" dt="2023-02-23T15:47:30.471" v="734" actId="478"/>
-        <pc:sldMkLst>
-          <pc:docMk/>
-          <pc:sldMk cId="1209572041" sldId="2722"/>
-        </pc:sldMkLst>
-        <pc:spChg chg="del mod">
-          <ac:chgData name="Xin Luo" userId="82312ee5779919a4" providerId="LiveId" clId="{98EC8ECB-A80D-1449-ACFE-0D931F29C13A}" dt="2023-02-23T15:47:30.471" v="734" actId="478"/>
-          <ac:spMkLst>
-            <pc:docMk/>
-            <pc:sldMk cId="1209572041" sldId="2722"/>
-            <ac:spMk id="14" creationId="{0DADB612-499B-577C-8C56-FA81A4204DD1}"/>
-          </ac:spMkLst>
-        </pc:spChg>
-      </pc:sldChg>
-      <pc:sldChg chg="del">
-        <pc:chgData name="Xin Luo" userId="82312ee5779919a4" providerId="LiveId" clId="{98EC8ECB-A80D-1449-ACFE-0D931F29C13A}" dt="2023-02-23T15:46:08.434" v="701" actId="2696"/>
-        <pc:sldMkLst>
-          <pc:docMk/>
-          <pc:sldMk cId="353940032" sldId="2725"/>
-        </pc:sldMkLst>
-      </pc:sldChg>
-      <pc:sldChg chg="del">
-        <pc:chgData name="Xin Luo" userId="82312ee5779919a4" providerId="LiveId" clId="{98EC8ECB-A80D-1449-ACFE-0D931F29C13A}" dt="2023-02-23T15:46:08.455" v="709" actId="2696"/>
-        <pc:sldMkLst>
-          <pc:docMk/>
-          <pc:sldMk cId="45083394" sldId="2726"/>
-        </pc:sldMkLst>
-      </pc:sldChg>
-      <pc:sldChg chg="del">
-        <pc:chgData name="Xin Luo" userId="82312ee5779919a4" providerId="LiveId" clId="{98EC8ECB-A80D-1449-ACFE-0D931F29C13A}" dt="2023-02-23T15:46:08.437" v="702" actId="2696"/>
-        <pc:sldMkLst>
-          <pc:docMk/>
-          <pc:sldMk cId="148985918" sldId="2727"/>
-        </pc:sldMkLst>
-      </pc:sldChg>
-      <pc:sldChg chg="del">
-        <pc:chgData name="Xin Luo" userId="82312ee5779919a4" providerId="LiveId" clId="{98EC8ECB-A80D-1449-ACFE-0D931F29C13A}" dt="2023-02-23T15:46:08.445" v="706" actId="2696"/>
-        <pc:sldMkLst>
-          <pc:docMk/>
-          <pc:sldMk cId="3544980656" sldId="2728"/>
-        </pc:sldMkLst>
-      </pc:sldChg>
-      <pc:sldChg chg="del">
-        <pc:chgData name="Xin Luo" userId="82312ee5779919a4" providerId="LiveId" clId="{98EC8ECB-A80D-1449-ACFE-0D931F29C13A}" dt="2023-02-23T15:46:08.448" v="708" actId="2696"/>
-        <pc:sldMkLst>
-          <pc:docMk/>
-          <pc:sldMk cId="1664139585" sldId="2729"/>
-        </pc:sldMkLst>
-      </pc:sldChg>
-      <pc:sldChg chg="del">
-        <pc:chgData name="Xin Luo" userId="82312ee5779919a4" providerId="LiveId" clId="{98EC8ECB-A80D-1449-ACFE-0D931F29C13A}" dt="2023-02-23T15:46:08.446" v="707" actId="2696"/>
-        <pc:sldMkLst>
-          <pc:docMk/>
-          <pc:sldMk cId="3561803108" sldId="2730"/>
-        </pc:sldMkLst>
-      </pc:sldChg>
-      <pc:sldChg chg="del">
-        <pc:chgData name="Xin Luo" userId="82312ee5779919a4" providerId="LiveId" clId="{98EC8ECB-A80D-1449-ACFE-0D931F29C13A}" dt="2023-02-23T15:46:08.439" v="703" actId="2696"/>
-        <pc:sldMkLst>
-          <pc:docMk/>
-          <pc:sldMk cId="236610701" sldId="2731"/>
-        </pc:sldMkLst>
-      </pc:sldChg>
-      <pc:sldChg chg="del">
-        <pc:chgData name="Xin Luo" userId="82312ee5779919a4" providerId="LiveId" clId="{98EC8ECB-A80D-1449-ACFE-0D931F29C13A}" dt="2023-02-23T15:46:08.441" v="704" actId="2696"/>
-        <pc:sldMkLst>
-          <pc:docMk/>
-          <pc:sldMk cId="1986913413" sldId="2732"/>
-        </pc:sldMkLst>
-      </pc:sldChg>
-      <pc:sldChg chg="del">
-        <pc:chgData name="Xin Luo" userId="82312ee5779919a4" providerId="LiveId" clId="{98EC8ECB-A80D-1449-ACFE-0D931F29C13A}" dt="2023-02-23T15:46:08.443" v="705" actId="2696"/>
-        <pc:sldMkLst>
-          <pc:docMk/>
-          <pc:sldMk cId="270311508" sldId="2733"/>
-        </pc:sldMkLst>
-      </pc:sldChg>
-      <pc:sldChg chg="del">
-        <pc:chgData name="Xin Luo" userId="82312ee5779919a4" providerId="LiveId" clId="{98EC8ECB-A80D-1449-ACFE-0D931F29C13A}" dt="2023-02-23T15:47:22.827" v="730" actId="2696"/>
-        <pc:sldMkLst>
-          <pc:docMk/>
-          <pc:sldMk cId="3138813826" sldId="2734"/>
-        </pc:sldMkLst>
-      </pc:sldChg>
-      <pc:sldChg chg="del">
-        <pc:chgData name="Xin Luo" userId="82312ee5779919a4" providerId="LiveId" clId="{98EC8ECB-A80D-1449-ACFE-0D931F29C13A}" dt="2023-02-23T15:47:22.864" v="732" actId="2696"/>
-        <pc:sldMkLst>
-          <pc:docMk/>
-          <pc:sldMk cId="128317883" sldId="2735"/>
-        </pc:sldMkLst>
-      </pc:sldChg>
-      <pc:sldChg chg="del">
-        <pc:chgData name="Xin Luo" userId="82312ee5779919a4" providerId="LiveId" clId="{98EC8ECB-A80D-1449-ACFE-0D931F29C13A}" dt="2023-02-23T15:47:22.829" v="731" actId="2696"/>
-        <pc:sldMkLst>
-          <pc:docMk/>
-          <pc:sldMk cId="383906436" sldId="2736"/>
-        </pc:sldMkLst>
-      </pc:sldChg>
-      <pc:sldChg chg="addSp delSp modSp add mod">
-        <pc:chgData name="Xin Luo" userId="82312ee5779919a4" providerId="LiveId" clId="{98EC8ECB-A80D-1449-ACFE-0D931F29C13A}" dt="2023-02-23T15:45:27.987" v="683" actId="1037"/>
-        <pc:sldMkLst>
-          <pc:docMk/>
-          <pc:sldMk cId="655142816" sldId="2737"/>
-        </pc:sldMkLst>
-        <pc:spChg chg="add del mod">
-          <ac:chgData name="Xin Luo" userId="82312ee5779919a4" providerId="LiveId" clId="{98EC8ECB-A80D-1449-ACFE-0D931F29C13A}" dt="2023-02-23T15:36:38.445" v="650" actId="20577"/>
-          <ac:spMkLst>
-            <pc:docMk/>
-            <pc:sldMk cId="655142816" sldId="2737"/>
-            <ac:spMk id="5" creationId="{78502774-B04C-634F-1396-E5815996BC36}"/>
-          </ac:spMkLst>
-        </pc:spChg>
-        <pc:spChg chg="del mod">
-          <ac:chgData name="Xin Luo" userId="82312ee5779919a4" providerId="LiveId" clId="{98EC8ECB-A80D-1449-ACFE-0D931F29C13A}" dt="2023-02-23T15:31:28.203" v="477" actId="478"/>
-          <ac:spMkLst>
-            <pc:docMk/>
-            <pc:sldMk cId="655142816" sldId="2737"/>
-            <ac:spMk id="8" creationId="{F79B8069-33FF-F2D3-2749-C72697740ACD}"/>
-          </ac:spMkLst>
-        </pc:spChg>
-        <pc:picChg chg="add mod">
-          <ac:chgData name="Xin Luo" userId="82312ee5779919a4" providerId="LiveId" clId="{98EC8ECB-A80D-1449-ACFE-0D931F29C13A}" dt="2023-02-23T15:45:27.987" v="683" actId="1037"/>
-          <ac:picMkLst>
-            <pc:docMk/>
-            <pc:sldMk cId="655142816" sldId="2737"/>
-            <ac:picMk id="1026" creationId="{75908E15-58DA-73BD-95F9-CACD1B8B9D82}"/>
-          </ac:picMkLst>
-        </pc:picChg>
-        <pc:picChg chg="add mod">
-          <ac:chgData name="Xin Luo" userId="82312ee5779919a4" providerId="LiveId" clId="{98EC8ECB-A80D-1449-ACFE-0D931F29C13A}" dt="2023-02-23T15:45:27.987" v="683" actId="1037"/>
-          <ac:picMkLst>
-            <pc:docMk/>
-            <pc:sldMk cId="655142816" sldId="2737"/>
-            <ac:picMk id="1028" creationId="{1E2BFB6C-B7E5-CAF9-B8CC-09A5029EC264}"/>
-          </ac:picMkLst>
-        </pc:picChg>
-        <pc:picChg chg="add mod">
-          <ac:chgData name="Xin Luo" userId="82312ee5779919a4" providerId="LiveId" clId="{98EC8ECB-A80D-1449-ACFE-0D931F29C13A}" dt="2023-02-23T15:45:27.987" v="683" actId="1037"/>
-          <ac:picMkLst>
-            <pc:docMk/>
-            <pc:sldMk cId="655142816" sldId="2737"/>
-            <ac:picMk id="1030" creationId="{CB7EE236-3D18-EC53-3225-10EBB3B4EC77}"/>
-          </ac:picMkLst>
-        </pc:picChg>
-        <pc:picChg chg="add mod">
-          <ac:chgData name="Xin Luo" userId="82312ee5779919a4" providerId="LiveId" clId="{98EC8ECB-A80D-1449-ACFE-0D931F29C13A}" dt="2023-02-23T15:45:27.987" v="683" actId="1037"/>
-          <ac:picMkLst>
-            <pc:docMk/>
-            <pc:sldMk cId="655142816" sldId="2737"/>
-            <ac:picMk id="1032" creationId="{BFA8C7BD-9CEC-ADA1-21BA-0EE8338C6EA3}"/>
-          </ac:picMkLst>
-        </pc:picChg>
       </pc:sldChg>
     </pc:docChg>
   </pc:docChgLst>
@@ -8923,7 +8923,7 @@
               </a14:hiddenFill>
             </a:ext>
             <a:ext uri="{FAA26D3D-D897-4be2-8F04-BA451C77F1D7}">
-              <ma14:placeholderFlag xmlns="" xmlns:ma14="http://schemas.microsoft.com/office/mac/drawingml/2011/main" val="1"/>
+              <ma14:placeholderFlag xmlns:ma14="http://schemas.microsoft.com/office/mac/drawingml/2011/main" xmlns="" val="1"/>
             </a:ext>
           </a:extLst>
         </p:spPr>
@@ -9307,7 +9307,7 @@
               </a14:hiddenLine>
             </a:ext>
             <a:ext uri="{FAA26D3D-D897-4be2-8F04-BA451C77F1D7}">
-              <ma14:placeholderFlag xmlns="" xmlns:ma14="http://schemas.microsoft.com/office/mac/drawingml/2011/main" val="1"/>
+              <ma14:placeholderFlag xmlns:ma14="http://schemas.microsoft.com/office/mac/drawingml/2011/main" xmlns="" val="1"/>
             </a:ext>
           </a:extLst>
         </p:spPr>
@@ -9982,6 +9982,55 @@
           <a:bodyPr/>
           <a:lstStyle/>
           <a:p>
+            <a:r>
+              <a:rPr lang="zh-CN" altLang="en-US" b="0" i="0" dirty="0">
+                <a:effectLst/>
+                <a:latin typeface="Roboto" panose="02000000000000000000" pitchFamily="2" charset="0"/>
+              </a:rPr>
+              <a:t>但 </a:t>
+            </a:r>
+            <a:r>
+              <a:rPr lang="en-US" altLang="zh-CN" b="1" i="0" dirty="0" err="1">
+                <a:effectLst/>
+                <a:latin typeface="Roboto" panose="02000000000000000000" pitchFamily="2" charset="0"/>
+              </a:rPr>
+              <a:t>Cartopy</a:t>
+            </a:r>
+            <a:r>
+              <a:rPr lang="zh-CN" altLang="en-US" b="0" i="0" dirty="0">
+                <a:effectLst/>
+                <a:latin typeface="Roboto" panose="02000000000000000000" pitchFamily="2" charset="0"/>
+              </a:rPr>
+              <a:t> 是一个专门为 </a:t>
+            </a:r>
+            <a:r>
+              <a:rPr lang="en-US" altLang="zh-CN" b="0" i="0" dirty="0">
+                <a:effectLst/>
+                <a:latin typeface="Roboto" panose="02000000000000000000" pitchFamily="2" charset="0"/>
+              </a:rPr>
+              <a:t>Matplotlib </a:t>
+            </a:r>
+            <a:r>
+              <a:rPr lang="zh-CN" altLang="en-US" b="0" i="0" dirty="0">
+                <a:effectLst/>
+                <a:latin typeface="Roboto" panose="02000000000000000000" pitchFamily="2" charset="0"/>
+              </a:rPr>
+              <a:t>设计的地理空间数据可视化扩展库，可以无缝集成到 </a:t>
+            </a:r>
+            <a:r>
+              <a:rPr lang="en-US" altLang="zh-CN" b="0" i="0" dirty="0">
+                <a:effectLst/>
+                <a:latin typeface="Roboto" panose="02000000000000000000" pitchFamily="2" charset="0"/>
+              </a:rPr>
+              <a:t>Matplotlib </a:t>
+            </a:r>
+            <a:r>
+              <a:rPr lang="zh-CN" altLang="en-US" b="0" i="0" dirty="0">
+                <a:effectLst/>
+                <a:latin typeface="Roboto" panose="02000000000000000000" pitchFamily="2" charset="0"/>
+              </a:rPr>
+              <a:t>的绘图系统中。</a:t>
+            </a:r>
             <a:endParaRPr lang="zh-CN" altLang="en-US" dirty="0"/>
           </a:p>
         </p:txBody>
@@ -11813,7 +11862,7 @@
               </a14:hiddenLine>
             </a:ext>
             <a:ext uri="{FAA26D3D-D897-4be2-8F04-BA451C77F1D7}">
-              <ma14:placeholderFlag xmlns="" xmlns:ma14="http://schemas.microsoft.com/office/mac/drawingml/2011/main" val="1"/>
+              <ma14:placeholderFlag xmlns:ma14="http://schemas.microsoft.com/office/mac/drawingml/2011/main" xmlns="" val="1"/>
             </a:ext>
           </a:extLst>
         </p:spPr>
@@ -15504,7 +15553,7 @@
               </a14:hiddenLine>
             </a:ext>
             <a:ext uri="{FAA26D3D-D897-4be2-8F04-BA451C77F1D7}">
-              <ma14:placeholderFlag xmlns="" xmlns:ma14="http://schemas.microsoft.com/office/mac/drawingml/2011/main" val="1"/>
+              <ma14:placeholderFlag xmlns:ma14="http://schemas.microsoft.com/office/mac/drawingml/2011/main" xmlns="" val="1"/>
             </a:ext>
           </a:extLst>
         </p:spPr>
